--- a/Presentation/UNICC Global Hackathon - 25 Mar Presentation.pptx
+++ b/Presentation/UNICC Global Hackathon - 25 Mar Presentation.pptx
@@ -11225,18 +11225,6 @@
               <a:t>Mohammed</a:t>
             </a:r>
             <a:r>
-              <a:rPr lang="" altLang="ca-ES" sz="1800">
-                <a:solidFill>
-                  <a:schemeClr val="dk1"/>
-                </a:solidFill>
-                <a:latin typeface="Calibri"/>
-                <a:ea typeface="Calibri"/>
-                <a:cs typeface="Calibri"/>
-                <a:sym typeface="Calibri"/>
-              </a:rPr>
-              <a:t> El-Agha</a:t>
-            </a:r>
-            <a:r>
               <a:rPr lang="en-US" altLang="ca-ES" sz="1800">
                 <a:solidFill>
                   <a:schemeClr val="dk1"/>
@@ -11246,10 +11234,10 @@
                 <a:cs typeface="Calibri"/>
                 <a:sym typeface="Calibri"/>
               </a:rPr>
-              <a:t>, Abdullah</a:t>
+              <a:t> El-Agha, Abdullah</a:t>
             </a:r>
             <a:r>
-              <a:rPr lang="" altLang="en-US" sz="1800">
+              <a:rPr lang="en-US" altLang="en-US" sz="1800">
                 <a:solidFill>
                   <a:schemeClr val="dk1"/>
                 </a:solidFill>
@@ -11273,7 +11261,7 @@
               <a:t>, Ahmed</a:t>
             </a:r>
             <a:r>
-              <a:rPr lang="" altLang="en-US" sz="1800">
+              <a:rPr lang="en-US" altLang="en-US" sz="1800">
                 <a:solidFill>
                   <a:schemeClr val="dk1"/>
                 </a:solidFill>
@@ -11297,7 +11285,7 @@
               <a:t>, Anas</a:t>
             </a:r>
             <a:r>
-              <a:rPr lang="" altLang="en-US" sz="1800">
+              <a:rPr lang="en-US" altLang="en-US" sz="1800">
                 <a:solidFill>
                   <a:schemeClr val="dk1"/>
                 </a:solidFill>
@@ -11308,7 +11296,7 @@
               </a:rPr>
               <a:t> Alsalool</a:t>
             </a:r>
-            <a:endParaRPr lang="" altLang="en-US" sz="1800">
+            <a:endParaRPr lang="en-US" altLang="en-US" sz="1800">
               <a:solidFill>
                 <a:schemeClr val="dk1"/>
               </a:solidFill>
@@ -11359,7 +11347,7 @@
               <a:buNone/>
             </a:pPr>
             <a:r>
-              <a:rPr lang="" altLang="ca-ES" sz="1800">
+              <a:rPr lang="en-US" altLang="ca-ES" sz="1800">
                 <a:solidFill>
                   <a:schemeClr val="dk1"/>
                 </a:solidFill>
@@ -11371,7 +11359,7 @@
               <a:t>Masters in Data Science, 2</a:t>
             </a:r>
             <a:r>
-              <a:rPr lang="" altLang="ca-ES" sz="1800" baseline="30000">
+              <a:rPr lang="en-US" altLang="ca-ES" sz="1800" baseline="30000">
                 <a:solidFill>
                   <a:schemeClr val="dk1"/>
                 </a:solidFill>
@@ -11383,7 +11371,7 @@
               <a:t>nd</a:t>
             </a:r>
             <a:r>
-              <a:rPr lang="" altLang="ca-ES" sz="1800">
+              <a:rPr lang="en-US" altLang="ca-ES" sz="1800">
                 <a:solidFill>
                   <a:schemeClr val="dk1"/>
                 </a:solidFill>
@@ -11394,7 +11382,7 @@
               </a:rPr>
               <a:t> Level</a:t>
             </a:r>
-            <a:endParaRPr lang="" altLang="ca-ES" sz="1800">
+            <a:endParaRPr lang="en-US" altLang="ca-ES" sz="1800">
               <a:solidFill>
                 <a:schemeClr val="dk1"/>
               </a:solidFill>
@@ -11462,10 +11450,10 @@
           </a:bodyPr>
           <a:p>
             <a:r>
-              <a:rPr lang="" altLang="en-US" sz="2800"/>
+              <a:rPr lang="en-US" altLang="en-US" sz="2800"/>
               <a:t>The Islamic University of Gaza</a:t>
             </a:r>
-            <a:endParaRPr lang="" altLang="en-US" sz="2800"/>
+            <a:endParaRPr lang="en-US" altLang="en-US" sz="2800"/>
           </a:p>
         </p:txBody>
       </p:sp>
@@ -11558,10 +11546,10 @@
           </a:bodyPr>
           <a:p>
             <a:r>
-              <a:rPr lang="" altLang="en-US" sz="2400" b="1"/>
+              <a:rPr lang="en-US" altLang="en-US" sz="2400" b="1"/>
               <a:t>1991-2000 Fatalities</a:t>
             </a:r>
-            <a:endParaRPr lang="" altLang="en-US" sz="2400" b="1"/>
+            <a:endParaRPr lang="en-US" altLang="en-US" sz="2400" b="1"/>
           </a:p>
         </p:txBody>
       </p:sp>
@@ -11588,54 +11576,54 @@
           <a:p>
             <a:pPr algn="l"/>
             <a:r>
-              <a:rPr lang="" altLang="en-US" sz="2000" u="sng"/>
+              <a:rPr lang="en-US" altLang="en-US" sz="2000" u="sng"/>
               <a:t>Top 5</a:t>
             </a:r>
-            <a:endParaRPr lang="" altLang="en-US" sz="2000"/>
+            <a:endParaRPr lang="en-US" altLang="en-US" sz="2000"/>
           </a:p>
           <a:p>
             <a:pPr algn="l"/>
-            <a:endParaRPr lang="" altLang="en-US" sz="2000"/>
+            <a:endParaRPr lang="en-US" altLang="en-US" sz="2000"/>
           </a:p>
           <a:p>
             <a:pPr algn="l"/>
             <a:r>
-              <a:rPr lang="" altLang="en-US" sz="2000"/>
+              <a:rPr lang="en-US" altLang="en-US" sz="2000"/>
               <a:t>Angola</a:t>
             </a:r>
-            <a:endParaRPr lang="" altLang="en-US" sz="2000"/>
+            <a:endParaRPr lang="en-US" altLang="en-US" sz="2000"/>
           </a:p>
           <a:p>
             <a:pPr algn="l"/>
             <a:r>
-              <a:rPr lang="" altLang="en-US" sz="2000"/>
+              <a:rPr lang="en-US" altLang="en-US" sz="2000"/>
               <a:t>Eritrea</a:t>
             </a:r>
-            <a:endParaRPr lang="" altLang="en-US" sz="2000"/>
+            <a:endParaRPr lang="en-US" altLang="en-US" sz="2000"/>
           </a:p>
           <a:p>
             <a:pPr algn="l"/>
             <a:r>
-              <a:rPr lang="" altLang="en-US" sz="2000"/>
+              <a:rPr lang="en-US" altLang="en-US" sz="2000"/>
               <a:t>Ethiopia</a:t>
             </a:r>
-            <a:endParaRPr lang="" altLang="en-US" sz="2000"/>
+            <a:endParaRPr lang="en-US" altLang="en-US" sz="2000"/>
           </a:p>
           <a:p>
             <a:pPr algn="l"/>
             <a:r>
-              <a:rPr lang="" altLang="en-US" sz="2000"/>
+              <a:rPr lang="en-US" altLang="en-US" sz="2000"/>
               <a:t>Congo</a:t>
             </a:r>
-            <a:endParaRPr lang="" altLang="en-US" sz="2000"/>
+            <a:endParaRPr lang="en-US" altLang="en-US" sz="2000"/>
           </a:p>
           <a:p>
             <a:pPr algn="l"/>
             <a:r>
-              <a:rPr lang="" altLang="en-US" sz="2000"/>
+              <a:rPr lang="en-US" altLang="en-US" sz="2000"/>
               <a:t>Sudan</a:t>
             </a:r>
-            <a:endParaRPr lang="" altLang="en-US" sz="2000"/>
+            <a:endParaRPr lang="en-US" altLang="en-US" sz="2000"/>
           </a:p>
         </p:txBody>
       </p:sp>
@@ -11665,7 +11653,7 @@
           <a:p>
             <a:pPr algn="ctr"/>
             <a:r>
-              <a:rPr lang="" altLang="en-US" sz="7200" b="1">
+              <a:rPr lang="en-US" altLang="en-US" sz="7200" b="1">
                 <a:ln w="22225">
                   <a:solidFill>
                     <a:schemeClr val="accent2"/>
@@ -11679,7 +11667,7 @@
               </a:rPr>
               <a:t>Africa!</a:t>
             </a:r>
-            <a:endParaRPr lang="" altLang="en-US" sz="7200" b="1">
+            <a:endParaRPr lang="en-US" altLang="en-US" sz="7200" b="1">
               <a:ln w="22225">
                 <a:solidFill>
                   <a:schemeClr val="accent2"/>
@@ -11842,20 +11830,8 @@
           </a:bodyPr>
           <a:p>
             <a:r>
-              <a:rPr lang="" altLang="en-US" sz="2400" b="1"/>
-              <a:t>2001</a:t>
-            </a:r>
-            <a:r>
               <a:rPr lang="en-US" altLang="en-US" sz="2400" b="1"/>
-              <a:t>-</a:t>
-            </a:r>
-            <a:r>
-              <a:rPr lang="" altLang="en-US" sz="2400" b="1"/>
-              <a:t>2010 </a:t>
-            </a:r>
-            <a:r>
-              <a:rPr lang="en-US" altLang="en-US" sz="2400" b="1"/>
-              <a:t>Fatalities</a:t>
+              <a:t>2001-2010 Fatalities</a:t>
             </a:r>
             <a:endParaRPr lang="en-US" altLang="en-US" sz="2400" b="1"/>
           </a:p>
@@ -12138,20 +12114,8 @@
           </a:bodyPr>
           <a:p>
             <a:r>
-              <a:rPr lang="" altLang="en-US" sz="2400" b="1"/>
-              <a:t>2011</a:t>
-            </a:r>
-            <a:r>
               <a:rPr lang="en-US" altLang="en-US" sz="2400" b="1"/>
-              <a:t>-</a:t>
-            </a:r>
-            <a:r>
-              <a:rPr lang="" altLang="en-US" sz="2400" b="1"/>
-              <a:t>2020 </a:t>
-            </a:r>
-            <a:r>
-              <a:rPr lang="en-US" altLang="en-US" sz="2400" b="1"/>
-              <a:t>Fatalities</a:t>
+              <a:t>2011-2020 Fatalities</a:t>
             </a:r>
             <a:endParaRPr lang="en-US" altLang="en-US" sz="2400" b="1"/>
           </a:p>
@@ -12287,21 +12251,6 @@
           <a:p>
             <a:pPr algn="ctr"/>
             <a:r>
-              <a:rPr lang="" altLang="en-US" sz="4400" b="1">
-                <a:ln w="22225">
-                  <a:solidFill>
-                    <a:schemeClr val="accent2"/>
-                  </a:solidFill>
-                  <a:prstDash val="solid"/>
-                </a:ln>
-                <a:solidFill>
-                  <a:srgbClr val="FF0000"/>
-                </a:solidFill>
-                <a:effectLst/>
-              </a:rPr>
-              <a:t>W</a:t>
-            </a:r>
-            <a:r>
               <a:rPr lang="en-US" altLang="en-US" sz="4400" b="1">
                 <a:ln w="22225">
                   <a:solidFill>
@@ -12314,24 +12263,9 @@
                 </a:solidFill>
                 <a:effectLst/>
               </a:rPr>
-              <a:t>ars</a:t>
+              <a:t>Wars!</a:t>
             </a:r>
-            <a:r>
-              <a:rPr lang="" altLang="en-US" sz="4400" b="1">
-                <a:ln w="22225">
-                  <a:solidFill>
-                    <a:schemeClr val="accent2"/>
-                  </a:solidFill>
-                  <a:prstDash val="solid"/>
-                </a:ln>
-                <a:solidFill>
-                  <a:srgbClr val="FF0000"/>
-                </a:solidFill>
-                <a:effectLst/>
-              </a:rPr>
-              <a:t>!</a:t>
-            </a:r>
-            <a:endParaRPr lang="" altLang="en-US" sz="4400" b="1">
+            <a:endParaRPr lang="en-US" altLang="en-US" sz="4400" b="1">
               <a:ln w="22225">
                 <a:solidFill>
                   <a:schemeClr val="accent2"/>
@@ -12829,8 +12763,7 @@
           <a:p>
             <a:pPr algn="ctr"/>
             <a:r>
-              <a:rPr lang="" altLang="en-US" sz="2800" b="1">
-                <a:ln/>
+              <a:rPr lang="en-US" altLang="en-US" sz="2800" b="1">
                 <a:solidFill>
                   <a:srgbClr val="FF0000"/>
                 </a:solidFill>
@@ -12844,8 +12777,7 @@
               </a:rPr>
               <a:t>high rates of fatalities -&gt; increased rates of refugees</a:t>
             </a:r>
-            <a:endParaRPr lang="" altLang="en-US" sz="2800" b="1">
-              <a:ln/>
+            <a:endParaRPr lang="en-US" altLang="en-US" sz="2800" b="1">
               <a:solidFill>
                 <a:srgbClr val="FF0000"/>
               </a:solidFill>
@@ -13824,17 +13756,13 @@
             <a:pPr algn="ctr"/>
             <a:r>
               <a:rPr lang="en-US" altLang="en-US"/>
-              <a:t>FIT</a:t>
+              <a:t>FIT </a:t>
             </a:r>
             <a:r>
-              <a:rPr lang="" altLang="en-US"/>
-              <a:t> </a:t>
-            </a:r>
-            <a:r>
-              <a:rPr lang="" altLang="en-US" sz="3600"/>
+              <a:rPr lang="en-US" altLang="en-US" sz="3600"/>
               <a:t>(displaced abroad)</a:t>
             </a:r>
-            <a:endParaRPr lang="" altLang="en-US" sz="3600"/>
+            <a:endParaRPr lang="en-US" altLang="en-US" sz="3600"/>
           </a:p>
         </p:txBody>
       </p:sp>
@@ -13925,17 +13853,13 @@
             <a:pPr algn="ctr"/>
             <a:r>
               <a:rPr lang="en-US" altLang="en-US"/>
-              <a:t>IDP</a:t>
+              <a:t>IDP </a:t>
             </a:r>
             <a:r>
-              <a:rPr lang="" altLang="en-US"/>
-              <a:t> </a:t>
-            </a:r>
-            <a:r>
-              <a:rPr lang="" altLang="en-US" sz="3600"/>
+              <a:rPr lang="en-US" altLang="en-US" sz="3600"/>
               <a:t>(displaced internally)</a:t>
             </a:r>
-            <a:endParaRPr lang="" altLang="en-US" sz="3600"/>
+            <a:endParaRPr lang="en-US" altLang="en-US" sz="3600"/>
           </a:p>
         </p:txBody>
       </p:sp>
@@ -14072,17 +13996,13 @@
             <a:pPr algn="ctr"/>
             <a:r>
               <a:rPr lang="en-US" altLang="en-US"/>
-              <a:t>ASY</a:t>
+              <a:t>ASY </a:t>
             </a:r>
             <a:r>
-              <a:rPr lang="" altLang="en-US"/>
-              <a:t> </a:t>
-            </a:r>
-            <a:r>
-              <a:rPr lang="" altLang="en-US" sz="3600"/>
+              <a:rPr lang="en-US" altLang="en-US" sz="3600"/>
               <a:t>(asylum seekers awaiting decision)</a:t>
             </a:r>
-            <a:endParaRPr lang="" altLang="en-US" sz="3600"/>
+            <a:endParaRPr lang="en-US" altLang="en-US" sz="3600"/>
           </a:p>
         </p:txBody>
       </p:sp>
@@ -14378,10 +14298,10 @@
           <a:p>
             <a:pPr algn="ctr"/>
             <a:r>
-              <a:rPr lang="" altLang="en-US"/>
+              <a:rPr lang="en-US" altLang="en-US"/>
               <a:t>After Finished!</a:t>
             </a:r>
-            <a:endParaRPr lang="" altLang="en-US"/>
+            <a:endParaRPr lang="en-US" altLang="en-US"/>
           </a:p>
         </p:txBody>
       </p:sp>
@@ -14416,10 +14336,10 @@
           <a:bodyPr/>
           <a:p>
             <a:r>
-              <a:rPr lang="" altLang="en-US"/>
+              <a:rPr lang="en-US" altLang="en-US"/>
               <a:t>Conclusion</a:t>
             </a:r>
-            <a:endParaRPr lang="" altLang="en-US"/>
+            <a:endParaRPr lang="en-US" altLang="en-US"/>
           </a:p>
         </p:txBody>
       </p:sp>
@@ -14436,31 +14356,31 @@
           <a:bodyPr/>
           <a:p>
             <a:r>
-              <a:rPr lang="" altLang="en-US"/>
+              <a:rPr lang="en-US" altLang="en-US"/>
               <a:t>Progression in fatalities global rates</a:t>
             </a:r>
-            <a:endParaRPr lang="" altLang="en-US"/>
+            <a:endParaRPr lang="en-US" altLang="en-US"/>
           </a:p>
           <a:p>
             <a:r>
-              <a:rPr lang="" altLang="en-US"/>
+              <a:rPr lang="en-US" altLang="en-US"/>
               <a:t>Progression in reugees rates</a:t>
             </a:r>
-            <a:endParaRPr lang="" altLang="en-US"/>
+            <a:endParaRPr lang="en-US" altLang="en-US"/>
           </a:p>
           <a:p>
             <a:r>
-              <a:rPr lang="" altLang="en-US"/>
+              <a:rPr lang="en-US" altLang="en-US"/>
               <a:t>Last 10 years have the highest rates</a:t>
             </a:r>
-            <a:endParaRPr lang="" altLang="en-US"/>
+            <a:endParaRPr lang="en-US" altLang="en-US"/>
           </a:p>
           <a:p>
             <a:r>
-              <a:rPr lang="" altLang="en-US"/>
+              <a:rPr lang="en-US" altLang="en-US"/>
               <a:t>Arab spring has a high credit in this increased rates</a:t>
             </a:r>
-            <a:endParaRPr lang="" altLang="en-US"/>
+            <a:endParaRPr lang="en-US" altLang="en-US"/>
           </a:p>
         </p:txBody>
       </p:sp>
@@ -14517,45 +14437,45 @@
           <a:bodyPr/>
           <a:p>
             <a:r>
-              <a:rPr lang="" altLang="en-US"/>
+              <a:rPr lang="en-US" altLang="en-US"/>
               <a:t>Big problem becomes small problems!</a:t>
             </a:r>
-            <a:endParaRPr lang="" altLang="en-US"/>
+            <a:endParaRPr lang="en-US" altLang="en-US"/>
           </a:p>
           <a:p>
             <a:r>
-              <a:rPr lang="" altLang="en-US"/>
+              <a:rPr lang="en-US" altLang="en-US"/>
               <a:t>Teamwork is work</a:t>
             </a:r>
-            <a:endParaRPr lang="" altLang="en-US"/>
+            <a:endParaRPr lang="en-US" altLang="en-US"/>
           </a:p>
           <a:p>
             <a:r>
-              <a:rPr lang="" altLang="en-US"/>
+              <a:rPr lang="en-US" altLang="en-US"/>
               <a:t>More productivity</a:t>
             </a:r>
-            <a:endParaRPr lang="" altLang="en-US"/>
+            <a:endParaRPr lang="en-US" altLang="en-US"/>
           </a:p>
           <a:p>
             <a:r>
-              <a:rPr lang="" altLang="en-US"/>
+              <a:rPr lang="en-US" altLang="en-US"/>
               <a:t>More enjoy in work!</a:t>
             </a:r>
-            <a:endParaRPr lang="" altLang="en-US"/>
+            <a:endParaRPr lang="en-US" altLang="en-US"/>
           </a:p>
           <a:p>
             <a:r>
-              <a:rPr lang="" altLang="en-US"/>
+              <a:rPr lang="en-US" altLang="en-US"/>
               <a:t>The team isn’t working if the team isn’t working</a:t>
             </a:r>
-            <a:endParaRPr lang="" altLang="en-US"/>
+            <a:endParaRPr lang="en-US" altLang="en-US"/>
           </a:p>
           <a:p>
             <a:r>
-              <a:rPr lang="" altLang="en-US"/>
+              <a:rPr lang="en-US" altLang="en-US"/>
               <a:t>Competetion</a:t>
             </a:r>
-            <a:endParaRPr lang="" altLang="en-US"/>
+            <a:endParaRPr lang="en-US" altLang="en-US"/>
           </a:p>
         </p:txBody>
       </p:sp>
@@ -14590,10 +14510,10 @@
           <a:bodyPr/>
           <a:p>
             <a:r>
-              <a:rPr lang="" altLang="en-US"/>
+              <a:rPr lang="en-US" altLang="en-US"/>
               <a:t>References</a:t>
             </a:r>
-            <a:endParaRPr lang="" altLang="en-US"/>
+            <a:endParaRPr lang="en-US" altLang="en-US"/>
           </a:p>
         </p:txBody>
       </p:sp>
@@ -14610,43 +14530,43 @@
           <a:bodyPr/>
           <a:p>
             <a:r>
-              <a:rPr lang="" altLang="en-US"/>
+              <a:rPr lang="en-US" altLang="en-US"/>
               <a:t>Data Hackathon details and datasets</a:t>
             </a:r>
-            <a:endParaRPr lang="" altLang="en-US"/>
+            <a:endParaRPr lang="en-US" altLang="en-US"/>
           </a:p>
           <a:p>
             <a:pPr marL="114300" indent="0">
               <a:buNone/>
             </a:pPr>
             <a:r>
-              <a:rPr lang="" altLang="en-US"/>
+              <a:rPr lang="en-US" altLang="en-US"/>
               <a:t>https://github.com/UN-ICC/ICC-Data-Hackathon-2021</a:t>
             </a:r>
-            <a:endParaRPr lang="" altLang="en-US"/>
+            <a:endParaRPr lang="en-US" altLang="en-US"/>
           </a:p>
           <a:p>
             <a:pPr marL="114300" indent="0">
               <a:buNone/>
             </a:pPr>
-            <a:endParaRPr lang="" altLang="en-US"/>
+            <a:endParaRPr lang="en-US" altLang="en-US"/>
           </a:p>
           <a:p>
             <a:r>
-              <a:rPr lang="" altLang="en-US"/>
+              <a:rPr lang="en-US" altLang="en-US"/>
               <a:t>Our work</a:t>
             </a:r>
-            <a:endParaRPr lang="" altLang="en-US"/>
+            <a:endParaRPr lang="en-US" altLang="en-US"/>
           </a:p>
           <a:p>
             <a:pPr marL="114300" indent="0">
               <a:buNone/>
             </a:pPr>
             <a:r>
-              <a:rPr lang="" altLang="en-US"/>
-              <a:t>https://github.com/UN-ICC/Team-13</a:t>
+              <a:rPr lang="en-US" altLang="en-US"/>
+              <a:t>https://github.com/MohammedElagha/FIT-2021-IUG</a:t>
             </a:r>
-            <a:endParaRPr lang="" altLang="en-US"/>
+            <a:endParaRPr lang="en-US" altLang="en-US"/>
           </a:p>
         </p:txBody>
       </p:sp>

--- a/Presentation/UNICC Global Hackathon - 25 Mar Presentation.pptx
+++ b/Presentation/UNICC Global Hackathon - 25 Mar Presentation.pptx
@@ -21,18 +21,20 @@
     <p:sldId id="315" r:id="rId14"/>
     <p:sldId id="316" r:id="rId15"/>
     <p:sldId id="303" r:id="rId16"/>
-    <p:sldId id="304" r:id="rId17"/>
-    <p:sldId id="305" r:id="rId18"/>
-    <p:sldId id="306" r:id="rId19"/>
-    <p:sldId id="307" r:id="rId20"/>
+    <p:sldId id="331" r:id="rId17"/>
+    <p:sldId id="330" r:id="rId18"/>
+    <p:sldId id="307" r:id="rId19"/>
+    <p:sldId id="337" r:id="rId20"/>
     <p:sldId id="310" r:id="rId21"/>
-    <p:sldId id="311" r:id="rId22"/>
-    <p:sldId id="312" r:id="rId23"/>
+    <p:sldId id="334" r:id="rId22"/>
+    <p:sldId id="335" r:id="rId23"/>
     <p:sldId id="308" r:id="rId24"/>
-    <p:sldId id="317" r:id="rId25"/>
-    <p:sldId id="319" r:id="rId26"/>
-    <p:sldId id="318" r:id="rId27"/>
-    <p:sldId id="320" r:id="rId28"/>
+    <p:sldId id="338" r:id="rId25"/>
+    <p:sldId id="317" r:id="rId26"/>
+    <p:sldId id="319" r:id="rId27"/>
+    <p:sldId id="318" r:id="rId28"/>
+    <p:sldId id="320" r:id="rId29"/>
+    <p:sldId id="333" r:id="rId30"/>
   </p:sldIdLst>
   <p:sldSz cx="12192000" cy="6858000"/>
   <p:notesSz cx="6858000" cy="9144000"/>
@@ -11317,7 +11319,7 @@
         <p:spPr>
           <a:xfrm>
             <a:off x="653415" y="5899150"/>
-            <a:ext cx="4126865" cy="367030"/>
+            <a:ext cx="6618605" cy="367030"/>
           </a:xfrm>
           <a:prstGeom prst="rect">
             <a:avLst/>
@@ -11356,10 +11358,10 @@
                 <a:cs typeface="Calibri"/>
                 <a:sym typeface="Calibri"/>
               </a:rPr>
-              <a:t>Masters in Data Science, 2</a:t>
+              <a:t>Masters in </a:t>
             </a:r>
             <a:r>
-              <a:rPr lang="en-US" altLang="ca-ES" sz="1800" baseline="30000">
+              <a:rPr lang="" altLang="en-US" sz="1800">
                 <a:solidFill>
                   <a:schemeClr val="dk1"/>
                 </a:solidFill>
@@ -11368,21 +11370,9 @@
                 <a:cs typeface="Calibri"/>
                 <a:sym typeface="Calibri"/>
               </a:rPr>
-              <a:t>nd</a:t>
+              <a:t>Information Technology, Data Science Track</a:t>
             </a:r>
-            <a:r>
-              <a:rPr lang="en-US" altLang="ca-ES" sz="1800">
-                <a:solidFill>
-                  <a:schemeClr val="dk1"/>
-                </a:solidFill>
-                <a:latin typeface="Calibri"/>
-                <a:ea typeface="Calibri"/>
-                <a:cs typeface="Calibri"/>
-                <a:sym typeface="Calibri"/>
-              </a:rPr>
-              <a:t> Level</a:t>
-            </a:r>
-            <a:endParaRPr lang="en-US" altLang="ca-ES" sz="1800">
+            <a:endParaRPr lang="" altLang="en-US" sz="1800">
               <a:solidFill>
                 <a:schemeClr val="dk1"/>
               </a:solidFill>
@@ -12706,6 +12696,111 @@
           <a:p>
             <a:pPr algn="ctr"/>
             <a:r>
+              <a:rPr lang="" altLang="en-US"/>
+              <a:t>Displaced</a:t>
+            </a:r>
+            <a:endParaRPr lang="" altLang="en-US"/>
+          </a:p>
+        </p:txBody>
+      </p:sp>
+      <p:sp>
+        <p:nvSpPr>
+          <p:cNvPr id="3" name="Text Placeholder 2"/>
+          <p:cNvSpPr/>
+          <p:nvPr>
+            <p:ph type="body" idx="1"/>
+          </p:nvPr>
+        </p:nvSpPr>
+        <p:spPr/>
+        <p:txBody>
+          <a:bodyPr/>
+          <a:p>
+            <a:r>
+              <a:rPr lang="en-US" altLang="en-US" b="1">
+                <a:sym typeface="+mn-ea"/>
+              </a:rPr>
+              <a:t>FIT </a:t>
+            </a:r>
+            <a:r>
+              <a:rPr lang="en-US" altLang="en-US">
+                <a:sym typeface="+mn-ea"/>
+              </a:rPr>
+              <a:t>(displaced abroad)</a:t>
+            </a:r>
+            <a:endParaRPr lang="en-US" altLang="en-US">
+              <a:sym typeface="+mn-ea"/>
+            </a:endParaRPr>
+          </a:p>
+          <a:p>
+            <a:r>
+              <a:rPr lang="en-US" altLang="en-US" b="1">
+                <a:sym typeface="+mn-ea"/>
+              </a:rPr>
+              <a:t>IDP </a:t>
+            </a:r>
+            <a:r>
+              <a:rPr lang="en-US" altLang="en-US">
+                <a:sym typeface="+mn-ea"/>
+              </a:rPr>
+              <a:t>(displaced internally)</a:t>
+            </a:r>
+            <a:endParaRPr lang="en-US" altLang="en-US"/>
+          </a:p>
+          <a:p>
+            <a:r>
+              <a:rPr lang="en-US" altLang="en-US" b="1">
+                <a:sym typeface="+mn-ea"/>
+              </a:rPr>
+              <a:t>ASY </a:t>
+            </a:r>
+            <a:r>
+              <a:rPr lang="en-US" altLang="en-US">
+                <a:sym typeface="+mn-ea"/>
+              </a:rPr>
+              <a:t>(asylum seekers awaiting decision)</a:t>
+            </a:r>
+            <a:endParaRPr lang="en-US" altLang="en-US"/>
+          </a:p>
+          <a:p>
+            <a:endParaRPr lang="en-US" altLang="en-US"/>
+          </a:p>
+          <a:p>
+            <a:endParaRPr lang="en-US"/>
+          </a:p>
+        </p:txBody>
+      </p:sp>
+    </p:spTree>
+  </p:cSld>
+  <p:clrMapOvr>
+    <a:masterClrMapping/>
+  </p:clrMapOvr>
+</p:sld>
+</file>
+
+<file path=ppt/slides/slide15.xml><?xml version="1.0" encoding="utf-8"?>
+<p:sld xmlns:a="http://schemas.openxmlformats.org/drawingml/2006/main" xmlns:r="http://schemas.openxmlformats.org/officeDocument/2006/relationships" xmlns:p="http://schemas.openxmlformats.org/presentationml/2006/main">
+  <p:cSld>
+    <p:spTree>
+      <p:nvGrpSpPr>
+        <p:cNvPr id="1" name=""/>
+        <p:cNvGrpSpPr/>
+        <p:nvPr/>
+      </p:nvGrpSpPr>
+      <p:grpSpPr/>
+      <p:sp>
+        <p:nvSpPr>
+          <p:cNvPr id="2" name="Title 1"/>
+          <p:cNvSpPr/>
+          <p:nvPr>
+            <p:ph type="title"/>
+          </p:nvPr>
+        </p:nvSpPr>
+        <p:spPr/>
+        <p:txBody>
+          <a:bodyPr/>
+          <a:p>
+            <a:pPr algn="ctr"/>
+            <a:r>
               <a:rPr lang="en-US" altLang="en-US"/>
               <a:t>Displaced</a:t>
             </a:r>
@@ -12713,30 +12808,6 @@
           </a:p>
         </p:txBody>
       </p:sp>
-      <p:pic>
-        <p:nvPicPr>
-          <p:cNvPr id="3" name="Picture 2"/>
-          <p:cNvPicPr>
-            <a:picLocks noChangeAspect="true"/>
-          </p:cNvPicPr>
-          <p:nvPr/>
-        </p:nvPicPr>
-        <p:blipFill>
-          <a:blip r:embed="rId1"/>
-          <a:stretch>
-            <a:fillRect/>
-          </a:stretch>
-        </p:blipFill>
-        <p:spPr>
-          <a:xfrm>
-            <a:off x="3296285" y="1524635"/>
-            <a:ext cx="5599430" cy="4302760"/>
-          </a:xfrm>
-          <a:prstGeom prst="rect">
-            <a:avLst/>
-          </a:prstGeom>
-        </p:spPr>
-      </p:pic>
       <p:sp>
         <p:nvSpPr>
           <p:cNvPr id="4" name="Rectangle 3"/>
@@ -12792,71 +12863,9 @@
           </a:p>
         </p:txBody>
       </p:sp>
-    </p:spTree>
-  </p:cSld>
-  <p:clrMapOvr>
-    <a:masterClrMapping/>
-  </p:clrMapOvr>
-</p:sld>
-</file>
-
-<file path=ppt/slides/slide15.xml><?xml version="1.0" encoding="utf-8"?>
-<p:sld xmlns:a="http://schemas.openxmlformats.org/drawingml/2006/main" xmlns:r="http://schemas.openxmlformats.org/officeDocument/2006/relationships" xmlns:p="http://schemas.openxmlformats.org/presentationml/2006/main">
-  <p:cSld>
-    <p:spTree>
-      <p:nvGrpSpPr>
-        <p:cNvPr id="1" name=""/>
-        <p:cNvGrpSpPr/>
-        <p:nvPr/>
-      </p:nvGrpSpPr>
-      <p:grpSpPr/>
-      <p:sp>
-        <p:nvSpPr>
-          <p:cNvPr id="2" name="Title 1"/>
-          <p:cNvSpPr/>
-          <p:nvPr>
-            <p:ph type="title"/>
-          </p:nvPr>
-        </p:nvSpPr>
-        <p:spPr>
-          <a:xfrm>
-            <a:off x="838200" y="365125"/>
-            <a:ext cx="10515600" cy="6188075"/>
-          </a:xfrm>
-        </p:spPr>
-        <p:txBody>
-          <a:bodyPr/>
-          <a:p>
-            <a:pPr algn="ctr"/>
-            <a:r>
-              <a:rPr lang="en-US" altLang="en-US"/>
-              <a:t>Data Preprocessing</a:t>
-            </a:r>
-            <a:endParaRPr lang="en-US" altLang="en-US"/>
-          </a:p>
-        </p:txBody>
-      </p:sp>
-    </p:spTree>
-  </p:cSld>
-  <p:clrMapOvr>
-    <a:masterClrMapping/>
-  </p:clrMapOvr>
-</p:sld>
-</file>
-
-<file path=ppt/slides/slide16.xml><?xml version="1.0" encoding="utf-8"?>
-<p:sld xmlns:a="http://schemas.openxmlformats.org/drawingml/2006/main" xmlns:r="http://schemas.openxmlformats.org/officeDocument/2006/relationships" xmlns:p="http://schemas.openxmlformats.org/presentationml/2006/main">
-  <p:cSld>
-    <p:spTree>
-      <p:nvGrpSpPr>
-        <p:cNvPr id="1" name=""/>
-        <p:cNvGrpSpPr/>
-        <p:nvPr/>
-      </p:nvGrpSpPr>
-      <p:grpSpPr/>
       <p:pic>
         <p:nvPicPr>
-          <p:cNvPr id="4" name="Picture 3"/>
+          <p:cNvPr id="5" name="Picture 4"/>
           <p:cNvPicPr>
             <a:picLocks noChangeAspect="true"/>
           </p:cNvPicPr>
@@ -12870,800 +12879,14 @@
         </p:blipFill>
         <p:spPr>
           <a:xfrm>
-            <a:off x="663575" y="486410"/>
-            <a:ext cx="1219200" cy="1219200"/>
+            <a:off x="3352165" y="1564005"/>
+            <a:ext cx="5487670" cy="4217035"/>
           </a:xfrm>
           <a:prstGeom prst="rect">
             <a:avLst/>
           </a:prstGeom>
         </p:spPr>
       </p:pic>
-      <p:pic>
-        <p:nvPicPr>
-          <p:cNvPr id="5" name="Picture 4"/>
-          <p:cNvPicPr>
-            <a:picLocks noChangeAspect="true"/>
-          </p:cNvPicPr>
-          <p:nvPr/>
-        </p:nvPicPr>
-        <p:blipFill>
-          <a:blip r:embed="rId2"/>
-          <a:stretch>
-            <a:fillRect/>
-          </a:stretch>
-        </p:blipFill>
-        <p:spPr>
-          <a:xfrm>
-            <a:off x="955040" y="2443480"/>
-            <a:ext cx="1442720" cy="1442720"/>
-          </a:xfrm>
-          <a:prstGeom prst="rect">
-            <a:avLst/>
-          </a:prstGeom>
-        </p:spPr>
-      </p:pic>
-      <p:pic>
-        <p:nvPicPr>
-          <p:cNvPr id="6" name="Picture 5"/>
-          <p:cNvPicPr>
-            <a:picLocks noChangeAspect="true"/>
-          </p:cNvPicPr>
-          <p:nvPr/>
-        </p:nvPicPr>
-        <p:blipFill>
-          <a:blip r:embed="rId3"/>
-          <a:stretch>
-            <a:fillRect/>
-          </a:stretch>
-        </p:blipFill>
-        <p:spPr>
-          <a:xfrm>
-            <a:off x="1524635" y="4801235"/>
-            <a:ext cx="1765300" cy="1765300"/>
-          </a:xfrm>
-          <a:prstGeom prst="rect">
-            <a:avLst/>
-          </a:prstGeom>
-        </p:spPr>
-      </p:pic>
-      <p:pic>
-        <p:nvPicPr>
-          <p:cNvPr id="7" name="Picture 6"/>
-          <p:cNvPicPr>
-            <a:picLocks noChangeAspect="true"/>
-          </p:cNvPicPr>
-          <p:nvPr/>
-        </p:nvPicPr>
-        <p:blipFill>
-          <a:blip r:embed="rId4"/>
-          <a:stretch>
-            <a:fillRect/>
-          </a:stretch>
-        </p:blipFill>
-        <p:spPr>
-          <a:xfrm>
-            <a:off x="4107815" y="3512185"/>
-            <a:ext cx="1504950" cy="1504950"/>
-          </a:xfrm>
-          <a:prstGeom prst="rect">
-            <a:avLst/>
-          </a:prstGeom>
-        </p:spPr>
-      </p:pic>
-      <p:pic>
-        <p:nvPicPr>
-          <p:cNvPr id="8" name="Picture 7"/>
-          <p:cNvPicPr>
-            <a:picLocks noChangeAspect="true"/>
-          </p:cNvPicPr>
-          <p:nvPr/>
-        </p:nvPicPr>
-        <p:blipFill>
-          <a:blip r:embed="rId5"/>
-          <a:stretch>
-            <a:fillRect/>
-          </a:stretch>
-        </p:blipFill>
-        <p:spPr>
-          <a:xfrm>
-            <a:off x="4935855" y="1279525"/>
-            <a:ext cx="1220470" cy="1220470"/>
-          </a:xfrm>
-          <a:prstGeom prst="rect">
-            <a:avLst/>
-          </a:prstGeom>
-        </p:spPr>
-      </p:pic>
-      <p:pic>
-        <p:nvPicPr>
-          <p:cNvPr id="9" name="Picture 8"/>
-          <p:cNvPicPr>
-            <a:picLocks noChangeAspect="true"/>
-          </p:cNvPicPr>
-          <p:nvPr/>
-        </p:nvPicPr>
-        <p:blipFill>
-          <a:blip r:embed="rId6"/>
-          <a:stretch>
-            <a:fillRect/>
-          </a:stretch>
-        </p:blipFill>
-        <p:spPr>
-          <a:xfrm>
-            <a:off x="7460615" y="541020"/>
-            <a:ext cx="1164590" cy="1164590"/>
-          </a:xfrm>
-          <a:prstGeom prst="rect">
-            <a:avLst/>
-          </a:prstGeom>
-        </p:spPr>
-      </p:pic>
-      <p:pic>
-        <p:nvPicPr>
-          <p:cNvPr id="10" name="Picture 9"/>
-          <p:cNvPicPr>
-            <a:picLocks noChangeAspect="true"/>
-          </p:cNvPicPr>
-          <p:nvPr/>
-        </p:nvPicPr>
-        <p:blipFill>
-          <a:blip r:embed="rId7"/>
-          <a:stretch>
-            <a:fillRect/>
-          </a:stretch>
-        </p:blipFill>
-        <p:spPr>
-          <a:xfrm>
-            <a:off x="7232650" y="3031490"/>
-            <a:ext cx="1219200" cy="1219200"/>
-          </a:xfrm>
-          <a:prstGeom prst="rect">
-            <a:avLst/>
-          </a:prstGeom>
-        </p:spPr>
-      </p:pic>
-      <p:pic>
-        <p:nvPicPr>
-          <p:cNvPr id="11" name="Picture 10"/>
-          <p:cNvPicPr>
-            <a:picLocks noChangeAspect="true"/>
-          </p:cNvPicPr>
-          <p:nvPr/>
-        </p:nvPicPr>
-        <p:blipFill>
-          <a:blip r:embed="rId8"/>
-          <a:stretch>
-            <a:fillRect/>
-          </a:stretch>
-        </p:blipFill>
-        <p:spPr>
-          <a:xfrm>
-            <a:off x="8329295" y="4618990"/>
-            <a:ext cx="1413510" cy="1413510"/>
-          </a:xfrm>
-          <a:prstGeom prst="rect">
-            <a:avLst/>
-          </a:prstGeom>
-        </p:spPr>
-      </p:pic>
-      <p:pic>
-        <p:nvPicPr>
-          <p:cNvPr id="12" name="Picture 11"/>
-          <p:cNvPicPr>
-            <a:picLocks noChangeAspect="true"/>
-          </p:cNvPicPr>
-          <p:nvPr/>
-        </p:nvPicPr>
-        <p:blipFill>
-          <a:blip r:embed="rId9"/>
-          <a:stretch>
-            <a:fillRect/>
-          </a:stretch>
-        </p:blipFill>
-        <p:spPr>
-          <a:xfrm>
-            <a:off x="10615930" y="822325"/>
-            <a:ext cx="1407160" cy="1407160"/>
-          </a:xfrm>
-          <a:prstGeom prst="rect">
-            <a:avLst/>
-          </a:prstGeom>
-        </p:spPr>
-      </p:pic>
-      <p:sp>
-        <p:nvSpPr>
-          <p:cNvPr id="21" name="Text Box 20"/>
-          <p:cNvSpPr txBox="true"/>
-          <p:nvPr/>
-        </p:nvSpPr>
-        <p:spPr>
-          <a:xfrm>
-            <a:off x="113030" y="1705610"/>
-            <a:ext cx="2320925" cy="368300"/>
-          </a:xfrm>
-          <a:prstGeom prst="rect">
-            <a:avLst/>
-          </a:prstGeom>
-          <a:noFill/>
-        </p:spPr>
-        <p:txBody>
-          <a:bodyPr wrap="none" rtlCol="0">
-            <a:spAutoFit/>
-          </a:bodyPr>
-          <a:p>
-            <a:r>
-              <a:rPr lang="en-US" altLang="en-US" sz="1800"/>
-              <a:t>Attribute Selection</a:t>
-            </a:r>
-            <a:endParaRPr lang="en-US" altLang="en-US" sz="1800"/>
-          </a:p>
-        </p:txBody>
-      </p:sp>
-      <p:sp>
-        <p:nvSpPr>
-          <p:cNvPr id="22" name="Text Box 21"/>
-          <p:cNvSpPr txBox="true"/>
-          <p:nvPr/>
-        </p:nvSpPr>
-        <p:spPr>
-          <a:xfrm>
-            <a:off x="749935" y="3886200"/>
-            <a:ext cx="1853565" cy="368300"/>
-          </a:xfrm>
-          <a:prstGeom prst="rect">
-            <a:avLst/>
-          </a:prstGeom>
-          <a:noFill/>
-        </p:spPr>
-        <p:txBody>
-          <a:bodyPr wrap="none" rtlCol="0">
-            <a:spAutoFit/>
-          </a:bodyPr>
-          <a:p>
-            <a:r>
-              <a:rPr lang="en-US" altLang="en-US" sz="1800"/>
-              <a:t>Feature Merge</a:t>
-            </a:r>
-            <a:endParaRPr lang="en-US" altLang="en-US" sz="1800"/>
-          </a:p>
-        </p:txBody>
-      </p:sp>
-      <p:sp>
-        <p:nvSpPr>
-          <p:cNvPr id="23" name="Text Box 22"/>
-          <p:cNvSpPr txBox="true"/>
-          <p:nvPr/>
-        </p:nvSpPr>
-        <p:spPr>
-          <a:xfrm>
-            <a:off x="1470660" y="6198235"/>
-            <a:ext cx="1873250" cy="368300"/>
-          </a:xfrm>
-          <a:prstGeom prst="rect">
-            <a:avLst/>
-          </a:prstGeom>
-          <a:noFill/>
-        </p:spPr>
-        <p:txBody>
-          <a:bodyPr wrap="none" rtlCol="0">
-            <a:spAutoFit/>
-          </a:bodyPr>
-          <a:p>
-            <a:r>
-              <a:rPr lang="en-US" altLang="en-US" sz="1800"/>
-              <a:t>Missing Values</a:t>
-            </a:r>
-            <a:endParaRPr lang="en-US" altLang="en-US" sz="1800"/>
-          </a:p>
-        </p:txBody>
-      </p:sp>
-      <p:sp>
-        <p:nvSpPr>
-          <p:cNvPr id="24" name="Text Box 23"/>
-          <p:cNvSpPr txBox="true"/>
-          <p:nvPr/>
-        </p:nvSpPr>
-        <p:spPr>
-          <a:xfrm>
-            <a:off x="3563620" y="4922520"/>
-            <a:ext cx="2592705" cy="368300"/>
-          </a:xfrm>
-          <a:prstGeom prst="rect">
-            <a:avLst/>
-          </a:prstGeom>
-          <a:noFill/>
-        </p:spPr>
-        <p:txBody>
-          <a:bodyPr wrap="none" rtlCol="0">
-            <a:spAutoFit/>
-          </a:bodyPr>
-          <a:p>
-            <a:r>
-              <a:rPr lang="en-US" altLang="en-US" sz="1800"/>
-              <a:t>Datatype Conversion</a:t>
-            </a:r>
-            <a:endParaRPr lang="en-US" altLang="en-US" sz="1800"/>
-          </a:p>
-        </p:txBody>
-      </p:sp>
-      <p:sp>
-        <p:nvSpPr>
-          <p:cNvPr id="25" name="Text Box 24"/>
-          <p:cNvSpPr txBox="true"/>
-          <p:nvPr/>
-        </p:nvSpPr>
-        <p:spPr>
-          <a:xfrm>
-            <a:off x="4401820" y="2539365"/>
-            <a:ext cx="2288540" cy="368300"/>
-          </a:xfrm>
-          <a:prstGeom prst="rect">
-            <a:avLst/>
-          </a:prstGeom>
-          <a:noFill/>
-        </p:spPr>
-        <p:txBody>
-          <a:bodyPr wrap="none" rtlCol="0">
-            <a:spAutoFit/>
-          </a:bodyPr>
-          <a:p>
-            <a:r>
-              <a:rPr lang="en-US" altLang="en-US" sz="1800"/>
-              <a:t>Feature Reduction</a:t>
-            </a:r>
-            <a:endParaRPr lang="en-US" altLang="en-US" sz="1800"/>
-          </a:p>
-        </p:txBody>
-      </p:sp>
-      <p:sp>
-        <p:nvSpPr>
-          <p:cNvPr id="26" name="Text Box 25"/>
-          <p:cNvSpPr txBox="true"/>
-          <p:nvPr/>
-        </p:nvSpPr>
-        <p:spPr>
-          <a:xfrm>
-            <a:off x="6837680" y="1692275"/>
-            <a:ext cx="2410460" cy="368300"/>
-          </a:xfrm>
-          <a:prstGeom prst="rect">
-            <a:avLst/>
-          </a:prstGeom>
-          <a:noFill/>
-        </p:spPr>
-        <p:txBody>
-          <a:bodyPr wrap="none" rtlCol="0">
-            <a:spAutoFit/>
-          </a:bodyPr>
-          <a:p>
-            <a:r>
-              <a:rPr lang="en-US" altLang="en-US" sz="1800"/>
-              <a:t>Feature Generation</a:t>
-            </a:r>
-            <a:endParaRPr lang="en-US" altLang="en-US" sz="1800"/>
-          </a:p>
-        </p:txBody>
-      </p:sp>
-      <p:sp>
-        <p:nvSpPr>
-          <p:cNvPr id="27" name="Text Box 26"/>
-          <p:cNvSpPr txBox="true"/>
-          <p:nvPr/>
-        </p:nvSpPr>
-        <p:spPr>
-          <a:xfrm>
-            <a:off x="6160135" y="4250690"/>
-            <a:ext cx="3364230" cy="368300"/>
-          </a:xfrm>
-          <a:prstGeom prst="rect">
-            <a:avLst/>
-          </a:prstGeom>
-          <a:noFill/>
-        </p:spPr>
-        <p:txBody>
-          <a:bodyPr wrap="none" rtlCol="0">
-            <a:spAutoFit/>
-          </a:bodyPr>
-          <a:p>
-            <a:r>
-              <a:rPr lang="en-US" altLang="en-US" sz="1800"/>
-              <a:t>Combination &amp; Aggregation</a:t>
-            </a:r>
-            <a:endParaRPr lang="en-US" altLang="en-US" sz="1800"/>
-          </a:p>
-        </p:txBody>
-      </p:sp>
-      <p:sp>
-        <p:nvSpPr>
-          <p:cNvPr id="28" name="Text Box 27"/>
-          <p:cNvSpPr txBox="true"/>
-          <p:nvPr/>
-        </p:nvSpPr>
-        <p:spPr>
-          <a:xfrm>
-            <a:off x="8133715" y="6185535"/>
-            <a:ext cx="1804670" cy="368300"/>
-          </a:xfrm>
-          <a:prstGeom prst="rect">
-            <a:avLst/>
-          </a:prstGeom>
-          <a:noFill/>
-        </p:spPr>
-        <p:txBody>
-          <a:bodyPr wrap="none" rtlCol="0">
-            <a:spAutoFit/>
-          </a:bodyPr>
-          <a:p>
-            <a:r>
-              <a:rPr lang="en-US" altLang="en-US" sz="1800"/>
-              <a:t>Augmentation</a:t>
-            </a:r>
-            <a:endParaRPr lang="en-US" altLang="en-US" sz="1800"/>
-          </a:p>
-        </p:txBody>
-      </p:sp>
-      <p:sp>
-        <p:nvSpPr>
-          <p:cNvPr id="29" name="Text Box 28"/>
-          <p:cNvSpPr txBox="true"/>
-          <p:nvPr/>
-        </p:nvSpPr>
-        <p:spPr>
-          <a:xfrm>
-            <a:off x="9924415" y="2082165"/>
-            <a:ext cx="2098675" cy="368300"/>
-          </a:xfrm>
-          <a:prstGeom prst="rect">
-            <a:avLst/>
-          </a:prstGeom>
-          <a:noFill/>
-        </p:spPr>
-        <p:txBody>
-          <a:bodyPr wrap="none" rtlCol="0">
-            <a:spAutoFit/>
-          </a:bodyPr>
-          <a:p>
-            <a:r>
-              <a:rPr lang="en-US" altLang="en-US" sz="1800"/>
-              <a:t>Time-Dependent</a:t>
-            </a:r>
-            <a:endParaRPr lang="en-US" altLang="en-US" sz="1800"/>
-          </a:p>
-        </p:txBody>
-      </p:sp>
-      <p:pic>
-        <p:nvPicPr>
-          <p:cNvPr id="36" name="Picture 35"/>
-          <p:cNvPicPr>
-            <a:picLocks noChangeAspect="true"/>
-          </p:cNvPicPr>
-          <p:nvPr/>
-        </p:nvPicPr>
-        <p:blipFill>
-          <a:blip r:embed="rId5"/>
-          <a:stretch>
-            <a:fillRect/>
-          </a:stretch>
-        </p:blipFill>
-        <p:spPr>
-          <a:xfrm>
-            <a:off x="10363200" y="3034030"/>
-            <a:ext cx="1220470" cy="1220470"/>
-          </a:xfrm>
-          <a:prstGeom prst="rect">
-            <a:avLst/>
-          </a:prstGeom>
-        </p:spPr>
-      </p:pic>
-      <p:sp>
-        <p:nvSpPr>
-          <p:cNvPr id="37" name="Text Box 36"/>
-          <p:cNvSpPr txBox="true"/>
-          <p:nvPr/>
-        </p:nvSpPr>
-        <p:spPr>
-          <a:xfrm>
-            <a:off x="9829165" y="4293870"/>
-            <a:ext cx="2288540" cy="368300"/>
-          </a:xfrm>
-          <a:prstGeom prst="rect">
-            <a:avLst/>
-          </a:prstGeom>
-          <a:noFill/>
-        </p:spPr>
-        <p:txBody>
-          <a:bodyPr wrap="none" rtlCol="0">
-            <a:spAutoFit/>
-          </a:bodyPr>
-          <a:p>
-            <a:r>
-              <a:rPr lang="en-US" altLang="en-US" sz="1800"/>
-              <a:t>Feature Reduction</a:t>
-            </a:r>
-            <a:endParaRPr lang="en-US" altLang="en-US" sz="1800"/>
-          </a:p>
-        </p:txBody>
-      </p:sp>
-      <p:cxnSp>
-        <p:nvCxnSpPr>
-          <p:cNvPr id="38" name="Curved Connector 37"/>
-          <p:cNvCxnSpPr/>
-          <p:nvPr/>
-        </p:nvCxnSpPr>
-        <p:spPr>
-          <a:xfrm rot="5400000" flipV="true">
-            <a:off x="582295" y="2235200"/>
-            <a:ext cx="448945" cy="353695"/>
-          </a:xfrm>
-          <a:prstGeom prst="curvedConnector3">
-            <a:avLst>
-              <a:gd name="adj1" fmla="val 50071"/>
-            </a:avLst>
-          </a:prstGeom>
-          <a:ln>
-            <a:tailEnd type="arrow"/>
-          </a:ln>
-        </p:spPr>
-        <p:style>
-          <a:lnRef idx="1">
-            <a:schemeClr val="accent1"/>
-          </a:lnRef>
-          <a:fillRef idx="0">
-            <a:schemeClr val="accent1"/>
-          </a:fillRef>
-          <a:effectRef idx="0">
-            <a:schemeClr val="accent1"/>
-          </a:effectRef>
-          <a:fontRef idx="minor">
-            <a:schemeClr val="tx1"/>
-          </a:fontRef>
-        </p:style>
-      </p:cxnSp>
-      <p:cxnSp>
-        <p:nvCxnSpPr>
-          <p:cNvPr id="39" name="Curved Connector 38"/>
-          <p:cNvCxnSpPr/>
-          <p:nvPr/>
-        </p:nvCxnSpPr>
-        <p:spPr>
-          <a:xfrm>
-            <a:off x="1377950" y="4391025"/>
-            <a:ext cx="469265" cy="334010"/>
-          </a:xfrm>
-          <a:prstGeom prst="curvedConnector3">
-            <a:avLst>
-              <a:gd name="adj1" fmla="val 50068"/>
-            </a:avLst>
-          </a:prstGeom>
-          <a:ln>
-            <a:tailEnd type="arrow"/>
-          </a:ln>
-        </p:spPr>
-        <p:style>
-          <a:lnRef idx="1">
-            <a:schemeClr val="accent1"/>
-          </a:lnRef>
-          <a:fillRef idx="0">
-            <a:schemeClr val="accent1"/>
-          </a:fillRef>
-          <a:effectRef idx="0">
-            <a:schemeClr val="accent1"/>
-          </a:effectRef>
-          <a:fontRef idx="minor">
-            <a:schemeClr val="tx1"/>
-          </a:fontRef>
-        </p:style>
-      </p:cxnSp>
-      <p:cxnSp>
-        <p:nvCxnSpPr>
-          <p:cNvPr id="40" name="Curved Connector 39"/>
-          <p:cNvCxnSpPr/>
-          <p:nvPr/>
-        </p:nvCxnSpPr>
-        <p:spPr>
-          <a:xfrm rot="16200000">
-            <a:off x="3485515" y="5412740"/>
-            <a:ext cx="417195" cy="337820"/>
-          </a:xfrm>
-          <a:prstGeom prst="curvedConnector3">
-            <a:avLst>
-              <a:gd name="adj1" fmla="val 50000"/>
-            </a:avLst>
-          </a:prstGeom>
-          <a:ln>
-            <a:tailEnd type="arrow"/>
-          </a:ln>
-        </p:spPr>
-        <p:style>
-          <a:lnRef idx="1">
-            <a:schemeClr val="accent1"/>
-          </a:lnRef>
-          <a:fillRef idx="0">
-            <a:schemeClr val="accent1"/>
-          </a:fillRef>
-          <a:effectRef idx="0">
-            <a:schemeClr val="accent1"/>
-          </a:effectRef>
-          <a:fontRef idx="minor">
-            <a:schemeClr val="tx1"/>
-          </a:fontRef>
-        </p:style>
-      </p:cxnSp>
-      <p:cxnSp>
-        <p:nvCxnSpPr>
-          <p:cNvPr id="41" name="Curved Connector 40"/>
-          <p:cNvCxnSpPr/>
-          <p:nvPr/>
-        </p:nvCxnSpPr>
-        <p:spPr>
-          <a:xfrm rot="16200000">
-            <a:off x="5007610" y="3011170"/>
-            <a:ext cx="382270" cy="354330"/>
-          </a:xfrm>
-          <a:prstGeom prst="curvedConnector3">
-            <a:avLst>
-              <a:gd name="adj1" fmla="val 49834"/>
-            </a:avLst>
-          </a:prstGeom>
-          <a:ln>
-            <a:tailEnd type="arrow"/>
-          </a:ln>
-        </p:spPr>
-        <p:style>
-          <a:lnRef idx="1">
-            <a:schemeClr val="accent1"/>
-          </a:lnRef>
-          <a:fillRef idx="0">
-            <a:schemeClr val="accent1"/>
-          </a:fillRef>
-          <a:effectRef idx="0">
-            <a:schemeClr val="accent1"/>
-          </a:effectRef>
-          <a:fontRef idx="minor">
-            <a:schemeClr val="tx1"/>
-          </a:fontRef>
-        </p:style>
-      </p:cxnSp>
-      <p:cxnSp>
-        <p:nvCxnSpPr>
-          <p:cNvPr id="42" name="Curved Connector 41"/>
-          <p:cNvCxnSpPr/>
-          <p:nvPr/>
-        </p:nvCxnSpPr>
-        <p:spPr>
-          <a:xfrm>
-            <a:off x="6456045" y="2421255"/>
-            <a:ext cx="792480" cy="719455"/>
-          </a:xfrm>
-          <a:prstGeom prst="curvedConnector3">
-            <a:avLst>
-              <a:gd name="adj1" fmla="val 50080"/>
-            </a:avLst>
-          </a:prstGeom>
-          <a:ln>
-            <a:tailEnd type="arrow"/>
-          </a:ln>
-        </p:spPr>
-        <p:style>
-          <a:lnRef idx="1">
-            <a:schemeClr val="accent1"/>
-          </a:lnRef>
-          <a:fillRef idx="0">
-            <a:schemeClr val="accent1"/>
-          </a:fillRef>
-          <a:effectRef idx="0">
-            <a:schemeClr val="accent1"/>
-          </a:effectRef>
-          <a:fontRef idx="minor">
-            <a:schemeClr val="tx1"/>
-          </a:fontRef>
-        </p:style>
-      </p:cxnSp>
-      <p:cxnSp>
-        <p:nvCxnSpPr>
-          <p:cNvPr id="43" name="Curved Connector 42"/>
-          <p:cNvCxnSpPr/>
-          <p:nvPr/>
-        </p:nvCxnSpPr>
-        <p:spPr>
-          <a:xfrm>
-            <a:off x="7176135" y="4653280"/>
-            <a:ext cx="1007745" cy="791845"/>
-          </a:xfrm>
-          <a:prstGeom prst="curvedConnector3">
-            <a:avLst>
-              <a:gd name="adj1" fmla="val 50032"/>
-            </a:avLst>
-          </a:prstGeom>
-          <a:ln>
-            <a:tailEnd type="arrow"/>
-          </a:ln>
-        </p:spPr>
-        <p:style>
-          <a:lnRef idx="1">
-            <a:schemeClr val="accent1"/>
-          </a:lnRef>
-          <a:fillRef idx="0">
-            <a:schemeClr val="accent1"/>
-          </a:fillRef>
-          <a:effectRef idx="0">
-            <a:schemeClr val="accent1"/>
-          </a:effectRef>
-          <a:fontRef idx="minor">
-            <a:schemeClr val="tx1"/>
-          </a:fontRef>
-        </p:style>
-      </p:cxnSp>
-      <p:cxnSp>
-        <p:nvCxnSpPr>
-          <p:cNvPr id="44" name="Curved Connector 43"/>
-          <p:cNvCxnSpPr/>
-          <p:nvPr/>
-        </p:nvCxnSpPr>
-        <p:spPr>
-          <a:xfrm rot="16200000">
-            <a:off x="10068560" y="5003165"/>
-            <a:ext cx="768985" cy="501015"/>
-          </a:xfrm>
-          <a:prstGeom prst="curvedConnector3">
-            <a:avLst>
-              <a:gd name="adj1" fmla="val 49959"/>
-            </a:avLst>
-          </a:prstGeom>
-          <a:ln>
-            <a:tailEnd type="arrow"/>
-          </a:ln>
-        </p:spPr>
-        <p:style>
-          <a:lnRef idx="1">
-            <a:schemeClr val="accent1"/>
-          </a:lnRef>
-          <a:fillRef idx="0">
-            <a:schemeClr val="accent1"/>
-          </a:fillRef>
-          <a:effectRef idx="0">
-            <a:schemeClr val="accent1"/>
-          </a:effectRef>
-          <a:fontRef idx="minor">
-            <a:schemeClr val="tx1"/>
-          </a:fontRef>
-        </p:style>
-      </p:cxnSp>
-      <p:cxnSp>
-        <p:nvCxnSpPr>
-          <p:cNvPr id="45" name="Curved Connector 44"/>
-          <p:cNvCxnSpPr/>
-          <p:nvPr/>
-        </p:nvCxnSpPr>
-        <p:spPr>
-          <a:xfrm flipV="true">
-            <a:off x="10868660" y="2493010"/>
-            <a:ext cx="267970" cy="207645"/>
-          </a:xfrm>
-          <a:prstGeom prst="curvedConnector3">
-            <a:avLst>
-              <a:gd name="adj1" fmla="val 50237"/>
-            </a:avLst>
-          </a:prstGeom>
-          <a:ln>
-            <a:tailEnd type="arrow"/>
-          </a:ln>
-        </p:spPr>
-        <p:style>
-          <a:lnRef idx="1">
-            <a:schemeClr val="accent1"/>
-          </a:lnRef>
-          <a:fillRef idx="0">
-            <a:schemeClr val="accent1"/>
-          </a:fillRef>
-          <a:effectRef idx="0">
-            <a:schemeClr val="accent1"/>
-          </a:effectRef>
-          <a:fontRef idx="minor">
-            <a:schemeClr val="tx1"/>
-          </a:fontRef>
-        </p:style>
-      </p:cxnSp>
     </p:spTree>
   </p:cSld>
   <p:clrMapOvr>
@@ -13672,7 +12895,7 @@
 </p:sld>
 </file>
 
-<file path=ppt/slides/slide17.xml><?xml version="1.0" encoding="utf-8"?>
+<file path=ppt/slides/slide16.xml><?xml version="1.0" encoding="utf-8"?>
 <p:sld xmlns:a="http://schemas.openxmlformats.org/drawingml/2006/main" xmlns:r="http://schemas.openxmlformats.org/officeDocument/2006/relationships" xmlns:p="http://schemas.openxmlformats.org/presentationml/2006/main">
   <p:cSld>
     <p:spTree>
@@ -13731,6 +12954,48 @@
 </p:sld>
 </file>
 
+<file path=ppt/slides/slide17.xml><?xml version="1.0" encoding="utf-8"?>
+<p:sld xmlns:a="http://schemas.openxmlformats.org/drawingml/2006/main" xmlns:r="http://schemas.openxmlformats.org/officeDocument/2006/relationships" xmlns:p="http://schemas.openxmlformats.org/presentationml/2006/main">
+  <p:cSld>
+    <p:spTree>
+      <p:nvGrpSpPr>
+        <p:cNvPr id="1" name=""/>
+        <p:cNvGrpSpPr/>
+        <p:nvPr/>
+      </p:nvGrpSpPr>
+      <p:grpSpPr/>
+      <p:pic>
+        <p:nvPicPr>
+          <p:cNvPr id="4" name="Picture 3"/>
+          <p:cNvPicPr>
+            <a:picLocks noChangeAspect="true"/>
+          </p:cNvPicPr>
+          <p:nvPr/>
+        </p:nvPicPr>
+        <p:blipFill>
+          <a:blip r:embed="rId1"/>
+          <a:stretch>
+            <a:fillRect/>
+          </a:stretch>
+        </p:blipFill>
+        <p:spPr>
+          <a:xfrm>
+            <a:off x="345440" y="1638300"/>
+            <a:ext cx="11501755" cy="3581400"/>
+          </a:xfrm>
+          <a:prstGeom prst="rect">
+            <a:avLst/>
+          </a:prstGeom>
+        </p:spPr>
+      </p:pic>
+    </p:spTree>
+  </p:cSld>
+  <p:clrMapOvr>
+    <a:masterClrMapping/>
+  </p:clrMapOvr>
+</p:sld>
+</file>
+
 <file path=ppt/slides/slide18.xml><?xml version="1.0" encoding="utf-8"?>
 <p:sld xmlns:a="http://schemas.openxmlformats.org/drawingml/2006/main" xmlns:r="http://schemas.openxmlformats.org/officeDocument/2006/relationships" xmlns:p="http://schemas.openxmlformats.org/presentationml/2006/main">
   <p:cSld>
@@ -13741,6 +13006,30 @@
         <p:nvPr/>
       </p:nvGrpSpPr>
       <p:grpSpPr/>
+      <p:pic>
+        <p:nvPicPr>
+          <p:cNvPr id="8" name="Picture 7"/>
+          <p:cNvPicPr>
+            <a:picLocks noChangeAspect="true"/>
+          </p:cNvPicPr>
+          <p:nvPr/>
+        </p:nvPicPr>
+        <p:blipFill>
+          <a:blip r:embed="rId1"/>
+          <a:stretch>
+            <a:fillRect/>
+          </a:stretch>
+        </p:blipFill>
+        <p:spPr>
+          <a:xfrm>
+            <a:off x="2343785" y="1978660"/>
+            <a:ext cx="7503795" cy="4473575"/>
+          </a:xfrm>
+          <a:prstGeom prst="rect">
+            <a:avLst/>
+          </a:prstGeom>
+        </p:spPr>
+      </p:pic>
       <p:sp>
         <p:nvSpPr>
           <p:cNvPr id="2" name="Title 1"/>
@@ -13766,30 +13055,6 @@
           </a:p>
         </p:txBody>
       </p:sp>
-      <p:pic>
-        <p:nvPicPr>
-          <p:cNvPr id="4" name="Picture 3"/>
-          <p:cNvPicPr>
-            <a:picLocks noChangeAspect="true"/>
-          </p:cNvPicPr>
-          <p:nvPr/>
-        </p:nvPicPr>
-        <p:blipFill>
-          <a:blip r:embed="rId1"/>
-          <a:stretch>
-            <a:fillRect/>
-          </a:stretch>
-        </p:blipFill>
-        <p:spPr>
-          <a:xfrm>
-            <a:off x="2344420" y="1691005"/>
-            <a:ext cx="7503160" cy="4520565"/>
-          </a:xfrm>
-          <a:prstGeom prst="rect">
-            <a:avLst/>
-          </a:prstGeom>
-        </p:spPr>
-      </p:pic>
       <p:cxnSp>
         <p:nvCxnSpPr>
           <p:cNvPr id="5" name="Straight Connector 4"/>
@@ -13798,8 +13063,8 @@
         </p:nvCxnSpPr>
         <p:spPr>
           <a:xfrm flipV="true">
-            <a:off x="8976360" y="1628775"/>
-            <a:ext cx="0" cy="4536440"/>
+            <a:off x="8976360" y="1484630"/>
+            <a:ext cx="0" cy="4967605"/>
           </a:xfrm>
           <a:prstGeom prst="line">
             <a:avLst/>
@@ -13820,6 +13085,64 @@
           </a:fontRef>
         </p:style>
       </p:cxnSp>
+      <p:sp>
+        <p:nvSpPr>
+          <p:cNvPr id="3" name="Text Box 2"/>
+          <p:cNvSpPr txBox="true"/>
+          <p:nvPr/>
+        </p:nvSpPr>
+        <p:spPr>
+          <a:xfrm>
+            <a:off x="8160385" y="1671320"/>
+            <a:ext cx="815975" cy="306705"/>
+          </a:xfrm>
+          <a:prstGeom prst="rect">
+            <a:avLst/>
+          </a:prstGeom>
+          <a:noFill/>
+        </p:spPr>
+        <p:txBody>
+          <a:bodyPr wrap="none" rtlCol="0">
+            <a:spAutoFit/>
+          </a:bodyPr>
+          <a:p>
+            <a:r>
+              <a:rPr lang="" altLang="en-US"/>
+              <a:t>History</a:t>
+            </a:r>
+            <a:endParaRPr lang="" altLang="en-US"/>
+          </a:p>
+        </p:txBody>
+      </p:sp>
+      <p:sp>
+        <p:nvSpPr>
+          <p:cNvPr id="6" name="Text Box 5"/>
+          <p:cNvSpPr txBox="true"/>
+          <p:nvPr/>
+        </p:nvSpPr>
+        <p:spPr>
+          <a:xfrm>
+            <a:off x="8976360" y="1671320"/>
+            <a:ext cx="1073150" cy="306705"/>
+          </a:xfrm>
+          <a:prstGeom prst="rect">
+            <a:avLst/>
+          </a:prstGeom>
+          <a:noFill/>
+        </p:spPr>
+        <p:txBody>
+          <a:bodyPr wrap="none" rtlCol="0">
+            <a:spAutoFit/>
+          </a:bodyPr>
+          <a:p>
+            <a:r>
+              <a:rPr lang="" altLang="en-US"/>
+              <a:t>Prediction</a:t>
+            </a:r>
+            <a:endParaRPr lang="" altLang="en-US"/>
+          </a:p>
+        </p:txBody>
+      </p:sp>
     </p:spTree>
   </p:cSld>
   <p:clrMapOvr>
@@ -13838,6 +13161,30 @@
         <p:nvPr/>
       </p:nvGrpSpPr>
       <p:grpSpPr/>
+      <p:pic>
+        <p:nvPicPr>
+          <p:cNvPr id="7" name="Picture 6"/>
+          <p:cNvPicPr>
+            <a:picLocks noChangeAspect="true"/>
+          </p:cNvPicPr>
+          <p:nvPr/>
+        </p:nvPicPr>
+        <p:blipFill>
+          <a:blip r:embed="rId1"/>
+          <a:stretch>
+            <a:fillRect/>
+          </a:stretch>
+        </p:blipFill>
+        <p:spPr>
+          <a:xfrm>
+            <a:off x="2343785" y="1979295"/>
+            <a:ext cx="7504430" cy="4472940"/>
+          </a:xfrm>
+          <a:prstGeom prst="rect">
+            <a:avLst/>
+          </a:prstGeom>
+        </p:spPr>
+      </p:pic>
       <p:sp>
         <p:nvSpPr>
           <p:cNvPr id="2" name="Title 1"/>
@@ -13852,41 +13199,15 @@
           <a:p>
             <a:pPr algn="ctr"/>
             <a:r>
-              <a:rPr lang="en-US" altLang="en-US"/>
-              <a:t>IDP </a:t>
-            </a:r>
-            <a:r>
-              <a:rPr lang="en-US" altLang="en-US" sz="3600"/>
-              <a:t>(displaced internally)</a:t>
+              <a:rPr lang="en-US" altLang="en-US">
+                <a:sym typeface="+mn-ea"/>
+              </a:rPr>
+              <a:t>IDP (displaced internally)</a:t>
             </a:r>
             <a:endParaRPr lang="en-US" altLang="en-US" sz="3600"/>
           </a:p>
         </p:txBody>
       </p:sp>
-      <p:pic>
-        <p:nvPicPr>
-          <p:cNvPr id="6" name="Picture 5"/>
-          <p:cNvPicPr>
-            <a:picLocks noChangeAspect="true"/>
-          </p:cNvPicPr>
-          <p:nvPr/>
-        </p:nvPicPr>
-        <p:blipFill>
-          <a:blip r:embed="rId1"/>
-          <a:stretch>
-            <a:fillRect/>
-          </a:stretch>
-        </p:blipFill>
-        <p:spPr>
-          <a:xfrm>
-            <a:off x="2347595" y="1691005"/>
-            <a:ext cx="7496971" cy="4517136"/>
-          </a:xfrm>
-          <a:prstGeom prst="rect">
-            <a:avLst/>
-          </a:prstGeom>
-        </p:spPr>
-      </p:pic>
       <p:cxnSp>
         <p:nvCxnSpPr>
           <p:cNvPr id="5" name="Straight Connector 4"/>
@@ -13895,8 +13216,8 @@
         </p:nvCxnSpPr>
         <p:spPr>
           <a:xfrm flipV="true">
-            <a:off x="8976360" y="1628775"/>
-            <a:ext cx="0" cy="4536440"/>
+            <a:off x="8976360" y="1484630"/>
+            <a:ext cx="0" cy="4967605"/>
           </a:xfrm>
           <a:prstGeom prst="line">
             <a:avLst/>
@@ -13917,6 +13238,64 @@
           </a:fontRef>
         </p:style>
       </p:cxnSp>
+      <p:sp>
+        <p:nvSpPr>
+          <p:cNvPr id="3" name="Text Box 2"/>
+          <p:cNvSpPr txBox="true"/>
+          <p:nvPr/>
+        </p:nvSpPr>
+        <p:spPr>
+          <a:xfrm>
+            <a:off x="8160385" y="1671320"/>
+            <a:ext cx="815975" cy="306705"/>
+          </a:xfrm>
+          <a:prstGeom prst="rect">
+            <a:avLst/>
+          </a:prstGeom>
+          <a:noFill/>
+        </p:spPr>
+        <p:txBody>
+          <a:bodyPr wrap="none" rtlCol="0">
+            <a:spAutoFit/>
+          </a:bodyPr>
+          <a:p>
+            <a:r>
+              <a:rPr lang="en-US" altLang="en-US"/>
+              <a:t>History</a:t>
+            </a:r>
+            <a:endParaRPr lang="en-US" altLang="en-US"/>
+          </a:p>
+        </p:txBody>
+      </p:sp>
+      <p:sp>
+        <p:nvSpPr>
+          <p:cNvPr id="6" name="Text Box 5"/>
+          <p:cNvSpPr txBox="true"/>
+          <p:nvPr/>
+        </p:nvSpPr>
+        <p:spPr>
+          <a:xfrm>
+            <a:off x="8976360" y="1671320"/>
+            <a:ext cx="1073150" cy="306705"/>
+          </a:xfrm>
+          <a:prstGeom prst="rect">
+            <a:avLst/>
+          </a:prstGeom>
+          <a:noFill/>
+        </p:spPr>
+        <p:txBody>
+          <a:bodyPr wrap="none" rtlCol="0">
+            <a:spAutoFit/>
+          </a:bodyPr>
+          <a:p>
+            <a:r>
+              <a:rPr lang="en-US" altLang="en-US"/>
+              <a:t>Prediction</a:t>
+            </a:r>
+            <a:endParaRPr lang="en-US" altLang="en-US"/>
+          </a:p>
+        </p:txBody>
+      </p:sp>
     </p:spTree>
   </p:cSld>
   <p:clrMapOvr>
@@ -13979,36 +13358,9 @@
         <p:nvPr/>
       </p:nvGrpSpPr>
       <p:grpSpPr/>
-      <p:sp>
-        <p:nvSpPr>
-          <p:cNvPr id="2" name="Title 1"/>
-          <p:cNvSpPr/>
-          <p:nvPr>
-            <p:ph type="title"/>
-          </p:nvPr>
-        </p:nvSpPr>
-        <p:spPr/>
-        <p:txBody>
-          <a:bodyPr>
-            <a:normAutofit/>
-          </a:bodyPr>
-          <a:p>
-            <a:pPr algn="ctr"/>
-            <a:r>
-              <a:rPr lang="en-US" altLang="en-US"/>
-              <a:t>ASY </a:t>
-            </a:r>
-            <a:r>
-              <a:rPr lang="en-US" altLang="en-US" sz="3600"/>
-              <a:t>(asylum seekers awaiting decision)</a:t>
-            </a:r>
-            <a:endParaRPr lang="en-US" altLang="en-US" sz="3600"/>
-          </a:p>
-        </p:txBody>
-      </p:sp>
       <p:pic>
         <p:nvPicPr>
-          <p:cNvPr id="3" name="Picture 2"/>
+          <p:cNvPr id="7" name="Picture 6"/>
           <p:cNvPicPr>
             <a:picLocks noChangeAspect="true"/>
           </p:cNvPicPr>
@@ -14022,14 +13374,39 @@
         </p:blipFill>
         <p:spPr>
           <a:xfrm>
-            <a:off x="2440940" y="1691005"/>
-            <a:ext cx="7309547" cy="4517136"/>
+            <a:off x="2440940" y="1979295"/>
+            <a:ext cx="7427595" cy="4472305"/>
           </a:xfrm>
           <a:prstGeom prst="rect">
             <a:avLst/>
           </a:prstGeom>
         </p:spPr>
       </p:pic>
+      <p:sp>
+        <p:nvSpPr>
+          <p:cNvPr id="2" name="Title 1"/>
+          <p:cNvSpPr/>
+          <p:nvPr>
+            <p:ph type="title"/>
+          </p:nvPr>
+        </p:nvSpPr>
+        <p:spPr/>
+        <p:txBody>
+          <a:bodyPr>
+            <a:normAutofit fontScale="90000"/>
+          </a:bodyPr>
+          <a:p>
+            <a:pPr algn="ctr"/>
+            <a:r>
+              <a:rPr lang="en-US" altLang="en-US">
+                <a:sym typeface="+mn-ea"/>
+              </a:rPr>
+              <a:t>ASY (asylum seekers awaiting decision)</a:t>
+            </a:r>
+            <a:endParaRPr lang="en-US" altLang="en-US" sz="3600"/>
+          </a:p>
+        </p:txBody>
+      </p:sp>
       <p:cxnSp>
         <p:nvCxnSpPr>
           <p:cNvPr id="5" name="Straight Connector 4"/>
@@ -14038,8 +13415,8 @@
         </p:nvCxnSpPr>
         <p:spPr>
           <a:xfrm flipV="true">
-            <a:off x="8976360" y="1628775"/>
-            <a:ext cx="0" cy="4536440"/>
+            <a:off x="8976360" y="1484630"/>
+            <a:ext cx="0" cy="4967605"/>
           </a:xfrm>
           <a:prstGeom prst="line">
             <a:avLst/>
@@ -14060,6 +13437,64 @@
           </a:fontRef>
         </p:style>
       </p:cxnSp>
+      <p:sp>
+        <p:nvSpPr>
+          <p:cNvPr id="3" name="Text Box 2"/>
+          <p:cNvSpPr txBox="true"/>
+          <p:nvPr/>
+        </p:nvSpPr>
+        <p:spPr>
+          <a:xfrm>
+            <a:off x="8160385" y="1671320"/>
+            <a:ext cx="815975" cy="306705"/>
+          </a:xfrm>
+          <a:prstGeom prst="rect">
+            <a:avLst/>
+          </a:prstGeom>
+          <a:noFill/>
+        </p:spPr>
+        <p:txBody>
+          <a:bodyPr wrap="none" rtlCol="0">
+            <a:spAutoFit/>
+          </a:bodyPr>
+          <a:p>
+            <a:r>
+              <a:rPr lang="en-US" altLang="en-US"/>
+              <a:t>History</a:t>
+            </a:r>
+            <a:endParaRPr lang="en-US" altLang="en-US"/>
+          </a:p>
+        </p:txBody>
+      </p:sp>
+      <p:sp>
+        <p:nvSpPr>
+          <p:cNvPr id="6" name="Text Box 5"/>
+          <p:cNvSpPr txBox="true"/>
+          <p:nvPr/>
+        </p:nvSpPr>
+        <p:spPr>
+          <a:xfrm>
+            <a:off x="8976360" y="1671320"/>
+            <a:ext cx="1073150" cy="306705"/>
+          </a:xfrm>
+          <a:prstGeom prst="rect">
+            <a:avLst/>
+          </a:prstGeom>
+          <a:noFill/>
+        </p:spPr>
+        <p:txBody>
+          <a:bodyPr wrap="none" rtlCol="0">
+            <a:spAutoFit/>
+          </a:bodyPr>
+          <a:p>
+            <a:r>
+              <a:rPr lang="en-US" altLang="en-US"/>
+              <a:t>Prediction</a:t>
+            </a:r>
+            <a:endParaRPr lang="en-US" altLang="en-US"/>
+          </a:p>
+        </p:txBody>
+      </p:sp>
     </p:spTree>
   </p:cSld>
   <p:clrMapOvr>
@@ -14279,6 +13714,258 @@
         <p:nvPr/>
       </p:nvGrpSpPr>
       <p:grpSpPr/>
+      <p:pic>
+        <p:nvPicPr>
+          <p:cNvPr id="5" name="Picture 4"/>
+          <p:cNvPicPr>
+            <a:picLocks noChangeAspect="true"/>
+          </p:cNvPicPr>
+          <p:nvPr/>
+        </p:nvPicPr>
+        <p:blipFill>
+          <a:blip r:embed="rId1"/>
+          <a:stretch>
+            <a:fillRect/>
+          </a:stretch>
+        </p:blipFill>
+        <p:spPr>
+          <a:xfrm>
+            <a:off x="311785" y="4163060"/>
+            <a:ext cx="3726180" cy="2320290"/>
+          </a:xfrm>
+          <a:prstGeom prst="rect">
+            <a:avLst/>
+          </a:prstGeom>
+        </p:spPr>
+      </p:pic>
+      <p:pic>
+        <p:nvPicPr>
+          <p:cNvPr id="6" name="Picture 5"/>
+          <p:cNvPicPr>
+            <a:picLocks noChangeAspect="true"/>
+          </p:cNvPicPr>
+          <p:nvPr/>
+        </p:nvPicPr>
+        <p:blipFill>
+          <a:blip r:embed="rId2"/>
+          <a:stretch>
+            <a:fillRect/>
+          </a:stretch>
+        </p:blipFill>
+        <p:spPr>
+          <a:xfrm>
+            <a:off x="4232275" y="4161790"/>
+            <a:ext cx="3726815" cy="2320290"/>
+          </a:xfrm>
+          <a:prstGeom prst="rect">
+            <a:avLst/>
+          </a:prstGeom>
+        </p:spPr>
+      </p:pic>
+      <p:pic>
+        <p:nvPicPr>
+          <p:cNvPr id="7" name="Picture 6"/>
+          <p:cNvPicPr>
+            <a:picLocks noChangeAspect="true"/>
+          </p:cNvPicPr>
+          <p:nvPr/>
+        </p:nvPicPr>
+        <p:blipFill>
+          <a:blip r:embed="rId3"/>
+          <a:stretch>
+            <a:fillRect/>
+          </a:stretch>
+        </p:blipFill>
+        <p:spPr>
+          <a:xfrm>
+            <a:off x="8180705" y="4163060"/>
+            <a:ext cx="3727450" cy="2319020"/>
+          </a:xfrm>
+          <a:prstGeom prst="rect">
+            <a:avLst/>
+          </a:prstGeom>
+        </p:spPr>
+      </p:pic>
+      <p:pic>
+        <p:nvPicPr>
+          <p:cNvPr id="8" name="Picture 7"/>
+          <p:cNvPicPr>
+            <a:picLocks noChangeAspect="true"/>
+          </p:cNvPicPr>
+          <p:nvPr/>
+        </p:nvPicPr>
+        <p:blipFill>
+          <a:blip r:embed="rId4"/>
+          <a:stretch>
+            <a:fillRect/>
+          </a:stretch>
+        </p:blipFill>
+        <p:spPr>
+          <a:xfrm>
+            <a:off x="311785" y="786130"/>
+            <a:ext cx="3726815" cy="2319655"/>
+          </a:xfrm>
+          <a:prstGeom prst="rect">
+            <a:avLst/>
+          </a:prstGeom>
+        </p:spPr>
+      </p:pic>
+      <p:pic>
+        <p:nvPicPr>
+          <p:cNvPr id="9" name="Picture 8"/>
+          <p:cNvPicPr>
+            <a:picLocks noChangeAspect="true"/>
+          </p:cNvPicPr>
+          <p:nvPr/>
+        </p:nvPicPr>
+        <p:blipFill>
+          <a:blip r:embed="rId5"/>
+          <a:stretch>
+            <a:fillRect/>
+          </a:stretch>
+        </p:blipFill>
+        <p:spPr>
+          <a:xfrm>
+            <a:off x="4328160" y="786130"/>
+            <a:ext cx="3535680" cy="2319020"/>
+          </a:xfrm>
+          <a:prstGeom prst="rect">
+            <a:avLst/>
+          </a:prstGeom>
+        </p:spPr>
+      </p:pic>
+      <p:pic>
+        <p:nvPicPr>
+          <p:cNvPr id="10" name="Picture 9"/>
+          <p:cNvPicPr>
+            <a:picLocks noChangeAspect="true"/>
+          </p:cNvPicPr>
+          <p:nvPr/>
+        </p:nvPicPr>
+        <p:blipFill>
+          <a:blip r:embed="rId6"/>
+          <a:stretch>
+            <a:fillRect/>
+          </a:stretch>
+        </p:blipFill>
+        <p:spPr>
+          <a:xfrm>
+            <a:off x="8180705" y="786130"/>
+            <a:ext cx="3535045" cy="2319020"/>
+          </a:xfrm>
+          <a:prstGeom prst="rect">
+            <a:avLst/>
+          </a:prstGeom>
+        </p:spPr>
+      </p:pic>
+      <p:sp>
+        <p:nvSpPr>
+          <p:cNvPr id="11" name="Text Box 10"/>
+          <p:cNvSpPr txBox="true"/>
+          <p:nvPr/>
+        </p:nvSpPr>
+        <p:spPr>
+          <a:xfrm>
+            <a:off x="609600" y="228600"/>
+            <a:ext cx="1743075" cy="368300"/>
+          </a:xfrm>
+          <a:prstGeom prst="rect">
+            <a:avLst/>
+          </a:prstGeom>
+          <a:noFill/>
+        </p:spPr>
+        <p:txBody>
+          <a:bodyPr wrap="none" rtlCol="0">
+            <a:spAutoFit/>
+          </a:bodyPr>
+          <a:p>
+            <a:pPr algn="l"/>
+            <a:r>
+              <a:rPr lang="" altLang="en-US" sz="1800" b="1"/>
+              <a:t>Afghanistan</a:t>
+            </a:r>
+            <a:endParaRPr lang="" altLang="en-US" sz="1800" b="1"/>
+          </a:p>
+        </p:txBody>
+      </p:sp>
+      <p:sp>
+        <p:nvSpPr>
+          <p:cNvPr id="13" name="Text Box 12"/>
+          <p:cNvSpPr txBox="true"/>
+          <p:nvPr/>
+        </p:nvSpPr>
+        <p:spPr>
+          <a:xfrm>
+            <a:off x="593090" y="3728085"/>
+            <a:ext cx="1082675" cy="368300"/>
+          </a:xfrm>
+          <a:prstGeom prst="rect">
+            <a:avLst/>
+          </a:prstGeom>
+          <a:noFill/>
+        </p:spPr>
+        <p:txBody>
+          <a:bodyPr wrap="none" rtlCol="0">
+            <a:spAutoFit/>
+          </a:bodyPr>
+          <a:p>
+            <a:pPr algn="l"/>
+            <a:r>
+              <a:rPr lang="en-US" altLang="en-US" sz="1800" b="1"/>
+              <a:t>Mexico</a:t>
+            </a:r>
+            <a:endParaRPr lang="en-US" altLang="en-US" sz="1800" b="1"/>
+          </a:p>
+        </p:txBody>
+      </p:sp>
+      <p:cxnSp>
+        <p:nvCxnSpPr>
+          <p:cNvPr id="14" name="Straight Connector 13"/>
+          <p:cNvCxnSpPr/>
+          <p:nvPr/>
+        </p:nvCxnSpPr>
+        <p:spPr>
+          <a:xfrm>
+            <a:off x="407035" y="3429000"/>
+            <a:ext cx="11593195" cy="0"/>
+          </a:xfrm>
+          <a:prstGeom prst="line">
+            <a:avLst/>
+          </a:prstGeom>
+        </p:spPr>
+        <p:style>
+          <a:lnRef idx="1">
+            <a:schemeClr val="accent1"/>
+          </a:lnRef>
+          <a:fillRef idx="0">
+            <a:schemeClr val="accent1"/>
+          </a:fillRef>
+          <a:effectRef idx="0">
+            <a:schemeClr val="accent1"/>
+          </a:effectRef>
+          <a:fontRef idx="minor">
+            <a:schemeClr val="tx1"/>
+          </a:fontRef>
+        </p:style>
+      </p:cxnSp>
+    </p:spTree>
+  </p:cSld>
+  <p:clrMapOvr>
+    <a:masterClrMapping/>
+  </p:clrMapOvr>
+</p:sld>
+</file>
+
+<file path=ppt/slides/slide23.xml><?xml version="1.0" encoding="utf-8"?>
+<p:sld xmlns:a="http://schemas.openxmlformats.org/drawingml/2006/main" xmlns:r="http://schemas.openxmlformats.org/officeDocument/2006/relationships" xmlns:p="http://schemas.openxmlformats.org/presentationml/2006/main">
+  <p:cSld>
+    <p:spTree>
+      <p:nvGrpSpPr>
+        <p:cNvPr id="1" name=""/>
+        <p:cNvGrpSpPr/>
+        <p:nvPr/>
+      </p:nvGrpSpPr>
+      <p:grpSpPr/>
       <p:sp>
         <p:nvSpPr>
           <p:cNvPr id="2" name="Title 1"/>
@@ -14313,7 +14000,7 @@
 </p:sld>
 </file>
 
-<file path=ppt/slides/slide23.xml><?xml version="1.0" encoding="utf-8"?>
+<file path=ppt/slides/slide24.xml><?xml version="1.0" encoding="utf-8"?>
 <p:sld xmlns:a="http://schemas.openxmlformats.org/drawingml/2006/main" xmlns:r="http://schemas.openxmlformats.org/officeDocument/2006/relationships" xmlns:p="http://schemas.openxmlformats.org/presentationml/2006/main">
   <p:cSld>
     <p:spTree>
@@ -14392,7 +14079,7 @@
 </p:sld>
 </file>
 
-<file path=ppt/slides/slide24.xml><?xml version="1.0" encoding="utf-8"?>
+<file path=ppt/slides/slide25.xml><?xml version="1.0" encoding="utf-8"?>
 <p:sld xmlns:a="http://schemas.openxmlformats.org/drawingml/2006/main" xmlns:r="http://schemas.openxmlformats.org/officeDocument/2006/relationships" xmlns:p="http://schemas.openxmlformats.org/presentationml/2006/main">
   <p:cSld>
     <p:spTree>
@@ -14470,13 +14157,6 @@
             </a:r>
             <a:endParaRPr lang="en-US" altLang="en-US"/>
           </a:p>
-          <a:p>
-            <a:r>
-              <a:rPr lang="en-US" altLang="en-US"/>
-              <a:t>Competetion</a:t>
-            </a:r>
-            <a:endParaRPr lang="en-US" altLang="en-US"/>
-          </a:p>
         </p:txBody>
       </p:sp>
     </p:spTree>
@@ -14487,7 +14167,7 @@
 </p:sld>
 </file>
 
-<file path=ppt/slides/slide25.xml><?xml version="1.0" encoding="utf-8"?>
+<file path=ppt/slides/slide26.xml><?xml version="1.0" encoding="utf-8"?>
 <p:sld xmlns:a="http://schemas.openxmlformats.org/drawingml/2006/main" xmlns:r="http://schemas.openxmlformats.org/officeDocument/2006/relationships" xmlns:p="http://schemas.openxmlformats.org/presentationml/2006/main">
   <p:cSld>
     <p:spTree>
@@ -14570,6 +14250,49 @@
           </a:p>
         </p:txBody>
       </p:sp>
+    </p:spTree>
+  </p:cSld>
+  <p:clrMapOvr>
+    <a:masterClrMapping/>
+  </p:clrMapOvr>
+</p:sld>
+</file>
+
+<file path=ppt/slides/slide27.xml><?xml version="1.0" encoding="utf-8"?>
+<p:sld xmlns:a="http://schemas.openxmlformats.org/drawingml/2006/main" xmlns:r="http://schemas.openxmlformats.org/officeDocument/2006/relationships" xmlns:p="http://schemas.openxmlformats.org/presentationml/2006/main">
+  <p:cSld>
+    <p:spTree>
+      <p:nvGrpSpPr>
+        <p:cNvPr id="1" name=""/>
+        <p:cNvGrpSpPr/>
+        <p:nvPr/>
+      </p:nvGrpSpPr>
+      <p:grpSpPr/>
+      <p:pic>
+        <p:nvPicPr>
+          <p:cNvPr id="4" name="Picture 3"/>
+          <p:cNvPicPr>
+            <a:picLocks noChangeAspect="true"/>
+          </p:cNvPicPr>
+          <p:nvPr/>
+        </p:nvPicPr>
+        <p:blipFill>
+          <a:blip r:embed="rId1"/>
+          <a:srcRect l="-500" t="279" r="500" b="6827"/>
+          <a:stretch>
+            <a:fillRect/>
+          </a:stretch>
+        </p:blipFill>
+        <p:spPr>
+          <a:xfrm>
+            <a:off x="2604770" y="1100455"/>
+            <a:ext cx="6982460" cy="4657090"/>
+          </a:xfrm>
+          <a:prstGeom prst="rect">
+            <a:avLst/>
+          </a:prstGeom>
+        </p:spPr>
+      </p:pic>
     </p:spTree>
   </p:cSld>
   <p:clrMapOvr>
@@ -14651,7 +14374,15 @@
             <a:pPr algn="ctr"/>
             <a:r>
               <a:rPr lang="en-US" altLang="en-US"/>
-              <a:t>What the Challenge?</a:t>
+              <a:t>What </a:t>
+            </a:r>
+            <a:r>
+              <a:rPr lang="" altLang="en-US"/>
+              <a:t>is </a:t>
+            </a:r>
+            <a:r>
+              <a:rPr lang="en-US" altLang="en-US"/>
+              <a:t>the Challenge?</a:t>
             </a:r>
             <a:endParaRPr lang="en-US" altLang="en-US"/>
           </a:p>
